--- a/2일차/1027-1-학습의원리.pptx
+++ b/2일차/1027-1-학습의원리.pptx
@@ -30082,36 +30082,6 @@
       </p:pic>
       <p:pic>
         <p:nvPicPr>
-          <p:cNvPr id="7" name="그림 6">
-            <a:extLst>
-              <a:ext uri="{FF2B5EF4-FFF2-40B4-BE49-F238E27FC236}">
-                <a16:creationId xmlns:a16="http://schemas.microsoft.com/office/drawing/2014/main" id="{2ADA6B31-624A-4C72-9146-88A4B71918CF}"/>
-              </a:ext>
-            </a:extLst>
-          </p:cNvPr>
-          <p:cNvPicPr>
-            <a:picLocks noChangeAspect="1"/>
-          </p:cNvPicPr>
-          <p:nvPr/>
-        </p:nvPicPr>
-        <p:blipFill>
-          <a:blip r:embed="rId4"/>
-          <a:stretch>
-            <a:fillRect/>
-          </a:stretch>
-        </p:blipFill>
-        <p:spPr>
-          <a:xfrm>
-            <a:off x="4078817" y="1470554"/>
-            <a:ext cx="1674332" cy="2202391"/>
-          </a:xfrm>
-          <a:prstGeom prst="rect">
-            <a:avLst/>
-          </a:prstGeom>
-        </p:spPr>
-      </p:pic>
-      <p:pic>
-        <p:nvPicPr>
           <p:cNvPr id="11" name="그림 10">
             <a:extLst>
               <a:ext uri="{FF2B5EF4-FFF2-40B4-BE49-F238E27FC236}">
@@ -30125,20 +30095,316 @@
           <p:nvPr/>
         </p:nvPicPr>
         <p:blipFill rotWithShape="1">
-          <a:blip r:embed="rId5"/>
-          <a:srcRect b="12335"/>
+          <a:blip r:embed="rId4"/>
+          <a:srcRect t="15692" b="12335"/>
           <a:stretch/>
         </p:blipFill>
         <p:spPr>
           <a:xfrm>
-            <a:off x="3939868" y="1366307"/>
-            <a:ext cx="4608819" cy="2306638"/>
+            <a:off x="3939868" y="1779181"/>
+            <a:ext cx="4608819" cy="1893764"/>
           </a:xfrm>
           <a:prstGeom prst="rect">
             <a:avLst/>
           </a:prstGeom>
         </p:spPr>
       </p:pic>
+      <p:sp>
+        <p:nvSpPr>
+          <p:cNvPr id="2" name="Google Shape;74;p15">
+            <a:extLst>
+              <a:ext uri="{FF2B5EF4-FFF2-40B4-BE49-F238E27FC236}">
+                <a16:creationId xmlns:a16="http://schemas.microsoft.com/office/drawing/2014/main" id="{C36CFB85-7183-4F78-964D-715E53079C2B}"/>
+              </a:ext>
+            </a:extLst>
+          </p:cNvPr>
+          <p:cNvSpPr txBox="1">
+            <a:spLocks/>
+          </p:cNvSpPr>
+          <p:nvPr/>
+        </p:nvSpPr>
+        <p:spPr>
+          <a:xfrm>
+            <a:off x="3880993" y="1262062"/>
+            <a:ext cx="3674534" cy="524877"/>
+          </a:xfrm>
+          <a:prstGeom prst="rect">
+            <a:avLst/>
+          </a:prstGeom>
+          <a:noFill/>
+          <a:ln>
+            <a:noFill/>
+          </a:ln>
+        </p:spPr>
+        <p:txBody>
+          <a:bodyPr spcFirstLastPara="1" wrap="square" lIns="91425" tIns="91425" rIns="91425" bIns="91425" anchor="b" anchorCtr="0">
+            <a:noAutofit/>
+          </a:bodyPr>
+          <a:lstStyle>
+            <a:defPPr marR="0" lvl="0" algn="l" rtl="0">
+              <a:lnSpc>
+                <a:spcPct val="100000"/>
+              </a:lnSpc>
+              <a:spcBef>
+                <a:spcPts val="0"/>
+              </a:spcBef>
+              <a:spcAft>
+                <a:spcPts val="0"/>
+              </a:spcAft>
+            </a:defPPr>
+            <a:lvl1pPr marR="0" lvl="0" algn="ctr" rtl="0">
+              <a:lnSpc>
+                <a:spcPct val="100000"/>
+              </a:lnSpc>
+              <a:spcBef>
+                <a:spcPts val="0"/>
+              </a:spcBef>
+              <a:spcAft>
+                <a:spcPts val="0"/>
+              </a:spcAft>
+              <a:buClr>
+                <a:schemeClr val="dk1"/>
+              </a:buClr>
+              <a:buSzPts val="3600"/>
+              <a:buFont typeface="Playfair Display"/>
+              <a:buNone/>
+              <a:defRPr sz="3600" b="0" i="0" u="none" strike="noStrike" cap="none">
+                <a:solidFill>
+                  <a:schemeClr val="dk1"/>
+                </a:solidFill>
+                <a:latin typeface="Playfair Display"/>
+                <a:ea typeface="Playfair Display"/>
+                <a:cs typeface="Playfair Display"/>
+                <a:sym typeface="Playfair Display"/>
+              </a:defRPr>
+            </a:lvl1pPr>
+            <a:lvl2pPr marR="0" lvl="1" algn="ctr" rtl="0">
+              <a:lnSpc>
+                <a:spcPct val="100000"/>
+              </a:lnSpc>
+              <a:spcBef>
+                <a:spcPts val="0"/>
+              </a:spcBef>
+              <a:spcAft>
+                <a:spcPts val="0"/>
+              </a:spcAft>
+              <a:buClr>
+                <a:schemeClr val="dk1"/>
+              </a:buClr>
+              <a:buSzPts val="3600"/>
+              <a:buFont typeface="Playfair Display"/>
+              <a:buNone/>
+              <a:defRPr sz="3600" b="0" i="0" u="none" strike="noStrike" cap="none">
+                <a:solidFill>
+                  <a:schemeClr val="dk1"/>
+                </a:solidFill>
+                <a:latin typeface="Playfair Display"/>
+                <a:ea typeface="Playfair Display"/>
+                <a:cs typeface="Playfair Display"/>
+                <a:sym typeface="Playfair Display"/>
+              </a:defRPr>
+            </a:lvl2pPr>
+            <a:lvl3pPr marR="0" lvl="2" algn="ctr" rtl="0">
+              <a:lnSpc>
+                <a:spcPct val="100000"/>
+              </a:lnSpc>
+              <a:spcBef>
+                <a:spcPts val="0"/>
+              </a:spcBef>
+              <a:spcAft>
+                <a:spcPts val="0"/>
+              </a:spcAft>
+              <a:buClr>
+                <a:schemeClr val="dk1"/>
+              </a:buClr>
+              <a:buSzPts val="3600"/>
+              <a:buFont typeface="Playfair Display"/>
+              <a:buNone/>
+              <a:defRPr sz="3600" b="0" i="0" u="none" strike="noStrike" cap="none">
+                <a:solidFill>
+                  <a:schemeClr val="dk1"/>
+                </a:solidFill>
+                <a:latin typeface="Playfair Display"/>
+                <a:ea typeface="Playfair Display"/>
+                <a:cs typeface="Playfair Display"/>
+                <a:sym typeface="Playfair Display"/>
+              </a:defRPr>
+            </a:lvl3pPr>
+            <a:lvl4pPr marR="0" lvl="3" algn="ctr" rtl="0">
+              <a:lnSpc>
+                <a:spcPct val="100000"/>
+              </a:lnSpc>
+              <a:spcBef>
+                <a:spcPts val="0"/>
+              </a:spcBef>
+              <a:spcAft>
+                <a:spcPts val="0"/>
+              </a:spcAft>
+              <a:buClr>
+                <a:schemeClr val="dk1"/>
+              </a:buClr>
+              <a:buSzPts val="3600"/>
+              <a:buFont typeface="Playfair Display"/>
+              <a:buNone/>
+              <a:defRPr sz="3600" b="0" i="0" u="none" strike="noStrike" cap="none">
+                <a:solidFill>
+                  <a:schemeClr val="dk1"/>
+                </a:solidFill>
+                <a:latin typeface="Playfair Display"/>
+                <a:ea typeface="Playfair Display"/>
+                <a:cs typeface="Playfair Display"/>
+                <a:sym typeface="Playfair Display"/>
+              </a:defRPr>
+            </a:lvl4pPr>
+            <a:lvl5pPr marR="0" lvl="4" algn="ctr" rtl="0">
+              <a:lnSpc>
+                <a:spcPct val="100000"/>
+              </a:lnSpc>
+              <a:spcBef>
+                <a:spcPts val="0"/>
+              </a:spcBef>
+              <a:spcAft>
+                <a:spcPts val="0"/>
+              </a:spcAft>
+              <a:buClr>
+                <a:schemeClr val="dk1"/>
+              </a:buClr>
+              <a:buSzPts val="3600"/>
+              <a:buFont typeface="Playfair Display"/>
+              <a:buNone/>
+              <a:defRPr sz="3600" b="0" i="0" u="none" strike="noStrike" cap="none">
+                <a:solidFill>
+                  <a:schemeClr val="dk1"/>
+                </a:solidFill>
+                <a:latin typeface="Playfair Display"/>
+                <a:ea typeface="Playfair Display"/>
+                <a:cs typeface="Playfair Display"/>
+                <a:sym typeface="Playfair Display"/>
+              </a:defRPr>
+            </a:lvl5pPr>
+            <a:lvl6pPr marR="0" lvl="5" algn="ctr" rtl="0">
+              <a:lnSpc>
+                <a:spcPct val="100000"/>
+              </a:lnSpc>
+              <a:spcBef>
+                <a:spcPts val="0"/>
+              </a:spcBef>
+              <a:spcAft>
+                <a:spcPts val="0"/>
+              </a:spcAft>
+              <a:buClr>
+                <a:schemeClr val="dk1"/>
+              </a:buClr>
+              <a:buSzPts val="3600"/>
+              <a:buFont typeface="Playfair Display"/>
+              <a:buNone/>
+              <a:defRPr sz="3600" b="0" i="0" u="none" strike="noStrike" cap="none">
+                <a:solidFill>
+                  <a:schemeClr val="dk1"/>
+                </a:solidFill>
+                <a:latin typeface="Playfair Display"/>
+                <a:ea typeface="Playfair Display"/>
+                <a:cs typeface="Playfair Display"/>
+                <a:sym typeface="Playfair Display"/>
+              </a:defRPr>
+            </a:lvl6pPr>
+            <a:lvl7pPr marR="0" lvl="6" algn="ctr" rtl="0">
+              <a:lnSpc>
+                <a:spcPct val="100000"/>
+              </a:lnSpc>
+              <a:spcBef>
+                <a:spcPts val="0"/>
+              </a:spcBef>
+              <a:spcAft>
+                <a:spcPts val="0"/>
+              </a:spcAft>
+              <a:buClr>
+                <a:schemeClr val="dk1"/>
+              </a:buClr>
+              <a:buSzPts val="3600"/>
+              <a:buFont typeface="Playfair Display"/>
+              <a:buNone/>
+              <a:defRPr sz="3600" b="0" i="0" u="none" strike="noStrike" cap="none">
+                <a:solidFill>
+                  <a:schemeClr val="dk1"/>
+                </a:solidFill>
+                <a:latin typeface="Playfair Display"/>
+                <a:ea typeface="Playfair Display"/>
+                <a:cs typeface="Playfair Display"/>
+                <a:sym typeface="Playfair Display"/>
+              </a:defRPr>
+            </a:lvl7pPr>
+            <a:lvl8pPr marR="0" lvl="7" algn="ctr" rtl="0">
+              <a:lnSpc>
+                <a:spcPct val="100000"/>
+              </a:lnSpc>
+              <a:spcBef>
+                <a:spcPts val="0"/>
+              </a:spcBef>
+              <a:spcAft>
+                <a:spcPts val="0"/>
+              </a:spcAft>
+              <a:buClr>
+                <a:schemeClr val="dk1"/>
+              </a:buClr>
+              <a:buSzPts val="3600"/>
+              <a:buFont typeface="Playfair Display"/>
+              <a:buNone/>
+              <a:defRPr sz="3600" b="0" i="0" u="none" strike="noStrike" cap="none">
+                <a:solidFill>
+                  <a:schemeClr val="dk1"/>
+                </a:solidFill>
+                <a:latin typeface="Playfair Display"/>
+                <a:ea typeface="Playfair Display"/>
+                <a:cs typeface="Playfair Display"/>
+                <a:sym typeface="Playfair Display"/>
+              </a:defRPr>
+            </a:lvl8pPr>
+            <a:lvl9pPr marR="0" lvl="8" algn="ctr" rtl="0">
+              <a:lnSpc>
+                <a:spcPct val="100000"/>
+              </a:lnSpc>
+              <a:spcBef>
+                <a:spcPts val="0"/>
+              </a:spcBef>
+              <a:spcAft>
+                <a:spcPts val="0"/>
+              </a:spcAft>
+              <a:buClr>
+                <a:schemeClr val="dk1"/>
+              </a:buClr>
+              <a:buSzPts val="3600"/>
+              <a:buFont typeface="Playfair Display"/>
+              <a:buNone/>
+              <a:defRPr sz="3600" b="0" i="0" u="none" strike="noStrike" cap="none">
+                <a:solidFill>
+                  <a:schemeClr val="dk1"/>
+                </a:solidFill>
+                <a:latin typeface="Playfair Display"/>
+                <a:ea typeface="Playfair Display"/>
+                <a:cs typeface="Playfair Display"/>
+                <a:sym typeface="Playfair Display"/>
+              </a:defRPr>
+            </a:lvl9pPr>
+          </a:lstStyle>
+          <a:p>
+            <a:pPr algn="l"/>
+            <a:r>
+              <a:rPr lang="en-US" altLang="ko-KR" sz="1600" dirty="0"/>
+              <a:t>x1=0, x2=1 </a:t>
+            </a:r>
+            <a:r>
+              <a:rPr lang="ko-KR" altLang="en-US" sz="1600" dirty="0"/>
+              <a:t>일 때 계산 </a:t>
+            </a:r>
+            <a:r>
+              <a:rPr lang="en-US" altLang="ko-KR" sz="1600" dirty="0"/>
+              <a:t>(c=0.5)</a:t>
+            </a:r>
+            <a:endParaRPr lang="ko-KR" altLang="en-US" sz="1600" dirty="0"/>
+          </a:p>
+        </p:txBody>
+      </p:sp>
     </p:spTree>
     <p:extLst>
       <p:ext uri="{BB962C8B-B14F-4D97-AF65-F5344CB8AC3E}">
@@ -32310,7 +32576,7 @@
             </a:br>
             <a:r>
               <a:rPr lang="ko-KR" altLang="en-US" sz="1600" dirty="0"/>
-              <a:t>기대결과와 바로 비교 불가능</a:t>
+              <a:t>기대결과와 바로 비교 가능</a:t>
             </a:r>
           </a:p>
         </p:txBody>
@@ -32766,7 +33032,7 @@
             </a:br>
             <a:r>
               <a:rPr lang="ko-KR" altLang="en-US" sz="1600" dirty="0"/>
-              <a:t>기대결과와 바로 비교 불가능</a:t>
+              <a:t>기대결과와 바로 비교 가능</a:t>
             </a:r>
           </a:p>
         </p:txBody>
@@ -33246,7 +33512,7 @@
             </a:br>
             <a:r>
               <a:rPr lang="ko-KR" altLang="en-US" sz="1600" dirty="0"/>
-              <a:t>기대결과와 바로 비교 불가능</a:t>
+              <a:t>기대결과와 바로 비교 가능</a:t>
             </a:r>
           </a:p>
         </p:txBody>
@@ -33697,8 +33963,13 @@
             </a:br>
             <a:r>
               <a:rPr lang="ko-KR" altLang="en-US" sz="1600" dirty="0"/>
-              <a:t>기대결과와 바로 비교 불가능</a:t>
+              <a:t>기대결과와 바로 </a:t>
             </a:r>
+            <a:r>
+              <a:rPr lang="ko-KR" altLang="en-US" sz="1600"/>
+              <a:t>비교 가능</a:t>
+            </a:r>
+            <a:endParaRPr lang="ko-KR" altLang="en-US" sz="1600" dirty="0"/>
           </a:p>
         </p:txBody>
       </p:sp>
